--- a/19년/12m/4week/27d.pptx
+++ b/19년/12m/4week/27d.pptx
@@ -5385,8 +5385,8 @@
           </a:p>
         </p:txBody>
       </p:sp>
-      <mc:AlternateContent xmlns:mc="http://schemas.openxmlformats.org/markup-compatibility/2006">
-        <mc:Choice xmlns:am3d="http://schemas.microsoft.com/office/drawing/2017/model3d" Requires="am3d">
+      <mc:AlternateContent xmlns:mc="http://schemas.openxmlformats.org/markup-compatibility/2006" xmlns:am3d="http://schemas.microsoft.com/office/drawing/2017/model3d">
+        <mc:Choice Requires="am3d">
           <p:graphicFrame>
             <p:nvGraphicFramePr>
               <p:cNvPr id="4" name="3D 모델 3" descr="Cuboid">
@@ -5476,7 +5476,7 @@
             </a:graphic>
           </p:graphicFrame>
         </mc:Choice>
-        <mc:Fallback>
+        <mc:Fallback xmlns="">
           <p:pic>
             <p:nvPicPr>
               <p:cNvPr id="4" name="3D 모델 3" descr="Cuboid">
@@ -5492,7 +5492,7 @@
               <p:nvPr/>
             </p:nvPicPr>
             <p:blipFill>
-              <a:blip r:embed="rId3"/>
+              <a:blip r:embed="rId4"/>
               <a:stretch>
                 <a:fillRect/>
               </a:stretch>
@@ -5509,8 +5509,8 @@
           </p:pic>
         </mc:Fallback>
       </mc:AlternateContent>
-      <mc:AlternateContent xmlns:mc="http://schemas.openxmlformats.org/markup-compatibility/2006">
-        <mc:Choice xmlns:am3d="http://schemas.microsoft.com/office/drawing/2017/model3d" Requires="am3d">
+      <mc:AlternateContent xmlns:mc="http://schemas.openxmlformats.org/markup-compatibility/2006" xmlns:am3d="http://schemas.microsoft.com/office/drawing/2017/model3d">
+        <mc:Choice Requires="am3d">
           <p:graphicFrame>
             <p:nvGraphicFramePr>
               <p:cNvPr id="5" name="3D 모델 4" descr="Sphere">
@@ -5537,7 +5537,7 @@
             </p:xfrm>
             <a:graphic>
               <a:graphicData uri="http://schemas.microsoft.com/office/drawing/2017/model3d">
-                <am3d:model3d r:embed="rId4">
+                <am3d:model3d r:embed="rId5">
                   <am3d:spPr>
                     <a:xfrm>
                       <a:off x="0" y="0"/>
@@ -5565,7 +5565,7 @@
                     <am3d:postTrans dx="0" dy="0" dz="0"/>
                   </am3d:trans>
                   <am3d:raster rName="Office3DRenderer" rVer="16.0.8326">
-                    <am3d:blip r:embed="rId5"/>
+                    <am3d:blip r:embed="rId6"/>
                   </am3d:raster>
                   <am3d:objViewport viewportSz="2218598"/>
                   <am3d:ambientLight>
@@ -5600,7 +5600,7 @@
             </a:graphic>
           </p:graphicFrame>
         </mc:Choice>
-        <mc:Fallback>
+        <mc:Fallback xmlns="">
           <p:pic>
             <p:nvPicPr>
               <p:cNvPr id="5" name="3D 모델 4" descr="Sphere">
@@ -5616,7 +5616,7 @@
               <p:nvPr/>
             </p:nvPicPr>
             <p:blipFill>
-              <a:blip r:embed="rId5"/>
+              <a:blip r:embed="rId7"/>
               <a:stretch>
                 <a:fillRect/>
               </a:stretch>
@@ -5633,8 +5633,8 @@
           </p:pic>
         </mc:Fallback>
       </mc:AlternateContent>
-      <mc:AlternateContent xmlns:mc="http://schemas.openxmlformats.org/markup-compatibility/2006">
-        <mc:Choice xmlns:am3d="http://schemas.microsoft.com/office/drawing/2017/model3d" Requires="am3d">
+      <mc:AlternateContent xmlns:mc="http://schemas.openxmlformats.org/markup-compatibility/2006" xmlns:am3d="http://schemas.microsoft.com/office/drawing/2017/model3d">
+        <mc:Choice Requires="am3d">
           <p:graphicFrame>
             <p:nvGraphicFramePr>
               <p:cNvPr id="7" name="3D 모델 6" descr="Cuboid">
@@ -5724,7 +5724,7 @@
             </a:graphic>
           </p:graphicFrame>
         </mc:Choice>
-        <mc:Fallback>
+        <mc:Fallback xmlns="">
           <p:pic>
             <p:nvPicPr>
               <p:cNvPr id="7" name="3D 모델 6" descr="Cuboid">
@@ -5740,7 +5740,7 @@
               <p:nvPr/>
             </p:nvPicPr>
             <p:blipFill>
-              <a:blip r:embed="rId3"/>
+              <a:blip r:embed="rId4"/>
               <a:stretch>
                 <a:fillRect/>
               </a:stretch>
@@ -5757,8 +5757,8 @@
           </p:pic>
         </mc:Fallback>
       </mc:AlternateContent>
-      <mc:AlternateContent xmlns:mc="http://schemas.openxmlformats.org/markup-compatibility/2006">
-        <mc:Choice xmlns:am3d="http://schemas.microsoft.com/office/drawing/2017/model3d" Requires="am3d">
+      <mc:AlternateContent xmlns:mc="http://schemas.openxmlformats.org/markup-compatibility/2006" xmlns:am3d="http://schemas.microsoft.com/office/drawing/2017/model3d">
+        <mc:Choice Requires="am3d">
           <p:graphicFrame>
             <p:nvGraphicFramePr>
               <p:cNvPr id="6" name="3D 모델 5" descr="Capsule">
@@ -5785,7 +5785,7 @@
             </p:xfrm>
             <a:graphic>
               <a:graphicData uri="http://schemas.microsoft.com/office/drawing/2017/model3d">
-                <am3d:model3d r:embed="rId6">
+                <am3d:model3d r:embed="rId8">
                   <am3d:spPr>
                     <a:xfrm rot="1187974">
                       <a:off x="0" y="0"/>
@@ -5813,7 +5813,7 @@
                     <am3d:postTrans dx="0" dy="0" dz="0"/>
                   </am3d:trans>
                   <am3d:raster rName="Office3DRenderer" rVer="16.0.8326">
-                    <am3d:blip r:embed="rId7"/>
+                    <am3d:blip r:embed="rId9"/>
                   </am3d:raster>
                   <am3d:objViewport viewportSz="2031210"/>
                   <am3d:ambientLight>
@@ -5848,7 +5848,7 @@
             </a:graphic>
           </p:graphicFrame>
         </mc:Choice>
-        <mc:Fallback>
+        <mc:Fallback xmlns="">
           <p:pic>
             <p:nvPicPr>
               <p:cNvPr id="6" name="3D 모델 5" descr="Capsule">
@@ -5864,7 +5864,7 @@
               <p:nvPr/>
             </p:nvPicPr>
             <p:blipFill>
-              <a:blip r:embed="rId7"/>
+              <a:blip r:embed="rId10"/>
               <a:stretch>
                 <a:fillRect/>
               </a:stretch>
@@ -5955,8 +5955,8 @@
           </a:p>
         </p:txBody>
       </p:sp>
-      <mc:AlternateContent xmlns:mc="http://schemas.openxmlformats.org/markup-compatibility/2006">
-        <mc:Choice xmlns:am3d="http://schemas.microsoft.com/office/drawing/2017/model3d" Requires="am3d">
+      <mc:AlternateContent xmlns:mc="http://schemas.openxmlformats.org/markup-compatibility/2006" xmlns:am3d="http://schemas.microsoft.com/office/drawing/2017/model3d">
+        <mc:Choice Requires="am3d">
           <p:graphicFrame>
             <p:nvGraphicFramePr>
               <p:cNvPr id="11" name="3D 모델 10" descr="Cuboid">
@@ -6011,7 +6011,7 @@
                     <am3d:postTrans dx="0" dy="0" dz="0"/>
                   </am3d:trans>
                   <am3d:raster rName="Office3DRenderer" rVer="16.0.8326">
-                    <am3d:blip r:embed="rId3"/>
+                    <am3d:blip r:embed="rId4"/>
                   </am3d:raster>
                   <am3d:objViewport viewportSz="1865235"/>
                   <am3d:ambientLight>
@@ -6046,7 +6046,7 @@
             </a:graphic>
           </p:graphicFrame>
         </mc:Choice>
-        <mc:Fallback>
+        <mc:Fallback xmlns="">
           <p:pic>
             <p:nvPicPr>
               <p:cNvPr id="11" name="3D 모델 10" descr="Cuboid">
@@ -6062,7 +6062,7 @@
               <p:nvPr/>
             </p:nvPicPr>
             <p:blipFill>
-              <a:blip r:embed="rId3"/>
+              <a:blip r:embed="rId4"/>
               <a:stretch>
                 <a:fillRect/>
               </a:stretch>
@@ -6312,10 +6312,88 @@
         </p:nvSpPr>
         <p:spPr/>
         <p:txBody>
-          <a:bodyPr/>
-          <a:lstStyle/>
-          <a:p>
-            <a:endParaRPr lang="ko-KR" altLang="en-US"/>
+          <a:bodyPr>
+            <a:normAutofit/>
+          </a:bodyPr>
+          <a:lstStyle/>
+          <a:p>
+            <a:r>
+              <a:rPr lang="en-US" altLang="ko-KR" sz="2000" dirty="0"/>
+              <a:t>public</a:t>
+            </a:r>
+            <a:r>
+              <a:rPr lang="ko-KR" altLang="en-US" sz="2000" dirty="0"/>
+              <a:t>으로 변수 선언하면 굳이 초기화 </a:t>
+            </a:r>
+            <a:r>
+              <a:rPr lang="ko-KR" altLang="en-US" sz="2000" dirty="0" err="1"/>
+              <a:t>안해도됨</a:t>
+            </a:r>
+            <a:endParaRPr lang="en-US" altLang="ko-KR" sz="2000" dirty="0"/>
+          </a:p>
+          <a:p>
+            <a:endParaRPr lang="en-US" altLang="ko-KR" sz="2000" dirty="0"/>
+          </a:p>
+          <a:p>
+            <a:r>
+              <a:rPr lang="en-US" altLang="ko-KR" sz="2000" dirty="0" err="1"/>
+              <a:t>SetActive</a:t>
+            </a:r>
+            <a:r>
+              <a:rPr lang="en-US" altLang="ko-KR" sz="2000" dirty="0"/>
+              <a:t>(bool):</a:t>
+            </a:r>
+            <a:r>
+              <a:rPr lang="ko-KR" altLang="en-US" sz="2000" dirty="0"/>
+              <a:t>오브젝트 활성화 함수</a:t>
+            </a:r>
+            <a:endParaRPr lang="en-US" altLang="ko-KR" sz="2000" dirty="0"/>
+          </a:p>
+          <a:p>
+            <a:endParaRPr lang="en-US" altLang="ko-KR" sz="2000" dirty="0"/>
+          </a:p>
+          <a:p>
+            <a:r>
+              <a:rPr lang="en-US" altLang="ko-KR" sz="2000" dirty="0" err="1"/>
+              <a:t>AudioSource</a:t>
+            </a:r>
+            <a:r>
+              <a:rPr lang="en-US" altLang="ko-KR" sz="2000" dirty="0"/>
+              <a:t>:</a:t>
+            </a:r>
+            <a:r>
+              <a:rPr lang="ko-KR" altLang="en-US" sz="2000" dirty="0"/>
+              <a:t>사운드 재생 컴포넌트</a:t>
+            </a:r>
+            <a:r>
+              <a:rPr lang="en-US" altLang="ko-KR" sz="2000" dirty="0"/>
+              <a:t>, </a:t>
+            </a:r>
+            <a:r>
+              <a:rPr lang="en-US" altLang="ko-KR" sz="2000" dirty="0" err="1"/>
+              <a:t>AudioClip</a:t>
+            </a:r>
+            <a:r>
+              <a:rPr lang="en-US" altLang="ko-KR" sz="2000" dirty="0"/>
+              <a:t> </a:t>
+            </a:r>
+            <a:r>
+              <a:rPr lang="ko-KR" altLang="en-US" sz="2000" dirty="0"/>
+              <a:t>필요</a:t>
+            </a:r>
+            <a:r>
+              <a:rPr lang="en-US" altLang="ko-KR" sz="2000" dirty="0"/>
+              <a:t>(add </a:t>
+            </a:r>
+            <a:r>
+              <a:rPr lang="ko-KR" altLang="en-US" sz="2000" dirty="0"/>
+              <a:t>컴포넌트</a:t>
+            </a:r>
+            <a:r>
+              <a:rPr lang="en-US" altLang="ko-KR" sz="2000" dirty="0"/>
+              <a:t>)</a:t>
+            </a:r>
+            <a:endParaRPr lang="ko-KR" altLang="en-US" sz="2000" dirty="0"/>
           </a:p>
         </p:txBody>
       </p:sp>

--- a/19년/12m/4week/27d.pptx
+++ b/19년/12m/4week/27d.pptx
@@ -299,7 +299,7 @@
           <a:p>
             <a:fld id="{160973A1-C416-4CA9-B204-562DC31C7FBB}" type="datetimeFigureOut">
               <a:rPr lang="ko-KR" altLang="en-US" smtClean="0"/>
-              <a:t>2019-12-27</a:t>
+              <a:t>2019-12-30</a:t>
             </a:fld>
             <a:endParaRPr lang="ko-KR" altLang="en-US"/>
           </a:p>
@@ -497,7 +497,7 @@
           <a:p>
             <a:fld id="{160973A1-C416-4CA9-B204-562DC31C7FBB}" type="datetimeFigureOut">
               <a:rPr lang="ko-KR" altLang="en-US" smtClean="0"/>
-              <a:t>2019-12-27</a:t>
+              <a:t>2019-12-30</a:t>
             </a:fld>
             <a:endParaRPr lang="ko-KR" altLang="en-US"/>
           </a:p>
@@ -705,7 +705,7 @@
           <a:p>
             <a:fld id="{160973A1-C416-4CA9-B204-562DC31C7FBB}" type="datetimeFigureOut">
               <a:rPr lang="ko-KR" altLang="en-US" smtClean="0"/>
-              <a:t>2019-12-27</a:t>
+              <a:t>2019-12-30</a:t>
             </a:fld>
             <a:endParaRPr lang="ko-KR" altLang="en-US"/>
           </a:p>
@@ -903,7 +903,7 @@
           <a:p>
             <a:fld id="{160973A1-C416-4CA9-B204-562DC31C7FBB}" type="datetimeFigureOut">
               <a:rPr lang="ko-KR" altLang="en-US" smtClean="0"/>
-              <a:t>2019-12-27</a:t>
+              <a:t>2019-12-30</a:t>
             </a:fld>
             <a:endParaRPr lang="ko-KR" altLang="en-US"/>
           </a:p>
@@ -1178,7 +1178,7 @@
           <a:p>
             <a:fld id="{160973A1-C416-4CA9-B204-562DC31C7FBB}" type="datetimeFigureOut">
               <a:rPr lang="ko-KR" altLang="en-US" smtClean="0"/>
-              <a:t>2019-12-27</a:t>
+              <a:t>2019-12-30</a:t>
             </a:fld>
             <a:endParaRPr lang="ko-KR" altLang="en-US"/>
           </a:p>
@@ -1443,7 +1443,7 @@
           <a:p>
             <a:fld id="{160973A1-C416-4CA9-B204-562DC31C7FBB}" type="datetimeFigureOut">
               <a:rPr lang="ko-KR" altLang="en-US" smtClean="0"/>
-              <a:t>2019-12-27</a:t>
+              <a:t>2019-12-30</a:t>
             </a:fld>
             <a:endParaRPr lang="ko-KR" altLang="en-US"/>
           </a:p>
@@ -1855,7 +1855,7 @@
           <a:p>
             <a:fld id="{160973A1-C416-4CA9-B204-562DC31C7FBB}" type="datetimeFigureOut">
               <a:rPr lang="ko-KR" altLang="en-US" smtClean="0"/>
-              <a:t>2019-12-27</a:t>
+              <a:t>2019-12-30</a:t>
             </a:fld>
             <a:endParaRPr lang="ko-KR" altLang="en-US"/>
           </a:p>
@@ -1996,7 +1996,7 @@
           <a:p>
             <a:fld id="{160973A1-C416-4CA9-B204-562DC31C7FBB}" type="datetimeFigureOut">
               <a:rPr lang="ko-KR" altLang="en-US" smtClean="0"/>
-              <a:t>2019-12-27</a:t>
+              <a:t>2019-12-30</a:t>
             </a:fld>
             <a:endParaRPr lang="ko-KR" altLang="en-US"/>
           </a:p>
@@ -2109,7 +2109,7 @@
           <a:p>
             <a:fld id="{160973A1-C416-4CA9-B204-562DC31C7FBB}" type="datetimeFigureOut">
               <a:rPr lang="ko-KR" altLang="en-US" smtClean="0"/>
-              <a:t>2019-12-27</a:t>
+              <a:t>2019-12-30</a:t>
             </a:fld>
             <a:endParaRPr lang="ko-KR" altLang="en-US"/>
           </a:p>
@@ -2420,7 +2420,7 @@
           <a:p>
             <a:fld id="{160973A1-C416-4CA9-B204-562DC31C7FBB}" type="datetimeFigureOut">
               <a:rPr lang="ko-KR" altLang="en-US" smtClean="0"/>
-              <a:t>2019-12-27</a:t>
+              <a:t>2019-12-30</a:t>
             </a:fld>
             <a:endParaRPr lang="ko-KR" altLang="en-US"/>
           </a:p>
@@ -2708,7 +2708,7 @@
           <a:p>
             <a:fld id="{160973A1-C416-4CA9-B204-562DC31C7FBB}" type="datetimeFigureOut">
               <a:rPr lang="ko-KR" altLang="en-US" smtClean="0"/>
-              <a:t>2019-12-27</a:t>
+              <a:t>2019-12-30</a:t>
             </a:fld>
             <a:endParaRPr lang="ko-KR" altLang="en-US"/>
           </a:p>
@@ -2949,7 +2949,7 @@
           <a:p>
             <a:fld id="{160973A1-C416-4CA9-B204-562DC31C7FBB}" type="datetimeFigureOut">
               <a:rPr lang="ko-KR" altLang="en-US" smtClean="0"/>
-              <a:t>2019-12-27</a:t>
+              <a:t>2019-12-30</a:t>
             </a:fld>
             <a:endParaRPr lang="ko-KR" altLang="en-US"/>
           </a:p>
@@ -5689,7 +5689,7 @@
                     <am3d:postTrans dx="0" dy="0" dz="0"/>
                   </am3d:trans>
                   <am3d:raster rName="Office3DRenderer" rVer="16.0.8326">
-                    <am3d:blip r:embed="rId3"/>
+                    <am3d:blip r:embed="rId4"/>
                   </am3d:raster>
                   <am3d:objViewport viewportSz="1865235"/>
                   <am3d:ambientLight>
